--- a/Week 7/demo/Week 7 Demo.pptx
+++ b/Week 7/demo/Week 7 Demo.pptx
@@ -105,6 +105,11 @@
       </a:defRPr>
     </a:lvl9pPr>
   </p:defaultTextStyle>
+  <p:extLst>
+    <p:ext uri="{EFAFB233-063F-42B5-8137-9DF3F51BA10A}">
+      <p15:sldGuideLst xmlns:p15="http://schemas.microsoft.com/office/powerpoint/2012/main"/>
+    </p:ext>
+  </p:extLst>
 </p:presentation>
 </file>
 
@@ -3402,7 +3407,7 @@
         <p:spPr>
           <a:xfrm>
             <a:off x="1524000" y="3352800"/>
-            <a:ext cx="9144000" cy="2376055"/>
+            <a:ext cx="9144000" cy="3151031"/>
           </a:xfrm>
         </p:spPr>
         <p:txBody>
@@ -3412,13 +3417,16 @@
           <a:lstStyle/>
           <a:p>
             <a:r>
-              <a:rPr lang="hu-HU" sz="4400" dirty="0"/>
+              <a:rPr lang="hu-HU" sz="6000" dirty="0"/>
               <a:t>Krausz András</a:t>
             </a:r>
           </a:p>
           <a:p>
-            <a:r>
-              <a:rPr lang="hu-HU" sz="3200" dirty="0"/>
+            <a:endParaRPr lang="hu-HU" sz="2800" dirty="0"/>
+          </a:p>
+          <a:p>
+            <a:r>
+              <a:rPr lang="hu-HU" sz="2800" dirty="0"/>
               <a:t>Github handle:</a:t>
             </a:r>
           </a:p>
